--- a/slides/00-intro.pptx
+++ b/slides/00-intro.pptx
@@ -1160,7 +1160,7 @@
           <a:p>
             <a:fld id="{855B53BB-9CA8-4E36-AA7C-C10D869BF69A}" type="datetimeFigureOut">
               <a:rPr lang="en-US" smtClean="0"/>
-              <a:t>8/5/24</a:t>
+              <a:t>9/27/24</a:t>
             </a:fld>
             <a:endParaRPr lang="en-US"/>
           </a:p>
@@ -1788,7 +1788,7 @@
                 <a:tabLst/>
                 <a:defRPr/>
               </a:pPr>
-              <a:t>8/5/24 4:11 PM</a:t>
+              <a:t>9/27/24 3:03 PM</a:t>
             </a:fld>
             <a:endParaRPr kumimoji="0" lang="en-US" sz="1200" b="0" i="0" u="none" strike="noStrike" kern="1200" cap="none" spc="0" normalizeH="0" baseline="0" noProof="0" dirty="0">
               <a:ln>
@@ -2178,7 +2178,7 @@
                 <a:tabLst/>
                 <a:defRPr/>
               </a:pPr>
-              <a:t>8/5/24 4:11 PM</a:t>
+              <a:t>9/27/24 3:03 PM</a:t>
             </a:fld>
             <a:endParaRPr kumimoji="0" lang="en-US" sz="1200" b="0" i="0" u="none" strike="noStrike" kern="1200" cap="none" spc="0" normalizeH="0" baseline="0" noProof="0" dirty="0">
               <a:ln>
@@ -21398,936 +21398,6 @@
           <a:chExt cx="0" cy="0"/>
         </a:xfrm>
       </p:grpSpPr>
-      <p:sp>
-        <p:nvSpPr>
-          <p:cNvPr id="6" name="TextBox 5">
-            <a:extLst>
-              <a:ext uri="{FF2B5EF4-FFF2-40B4-BE49-F238E27FC236}">
-                <a16:creationId xmlns:a16="http://schemas.microsoft.com/office/drawing/2014/main" id="{5947DA54-8206-2679-D85B-D3BB9A38C7BA}"/>
-              </a:ext>
-            </a:extLst>
-          </p:cNvPr>
-          <p:cNvSpPr txBox="1"/>
-          <p:nvPr/>
-        </p:nvSpPr>
-        <p:spPr>
-          <a:xfrm>
-            <a:off x="2843507" y="3161291"/>
-            <a:ext cx="6504986" cy="738664"/>
-          </a:xfrm>
-          <a:prstGeom prst="rect">
-            <a:avLst/>
-          </a:prstGeom>
-          <a:noFill/>
-        </p:spPr>
-        <p:txBody>
-          <a:bodyPr wrap="none" lIns="0" tIns="0" rIns="0" bIns="0" rtlCol="0">
-            <a:spAutoFit/>
-          </a:bodyPr>
-          <a:lstStyle/>
-          <a:p>
-            <a:pPr algn="l"/>
-            <a:r>
-              <a:rPr lang="en-FR" sz="4800" dirty="0">
-                <a:solidFill>
-                  <a:schemeClr val="tx2"/>
-                </a:solidFill>
-              </a:rPr>
-              <a:t>Large Language Models</a:t>
-            </a:r>
-          </a:p>
-        </p:txBody>
-      </p:sp>
-      <p:sp>
-        <p:nvSpPr>
-          <p:cNvPr id="7" name="TextBox 6">
-            <a:extLst>
-              <a:ext uri="{FF2B5EF4-FFF2-40B4-BE49-F238E27FC236}">
-                <a16:creationId xmlns:a16="http://schemas.microsoft.com/office/drawing/2014/main" id="{69F504C1-9F87-811D-106F-29E79296DEC7}"/>
-              </a:ext>
-            </a:extLst>
-          </p:cNvPr>
-          <p:cNvSpPr txBox="1"/>
-          <p:nvPr/>
-        </p:nvSpPr>
-        <p:spPr>
-          <a:xfrm>
-            <a:off x="2329755" y="1920811"/>
-            <a:ext cx="1064394" cy="553998"/>
-          </a:xfrm>
-          <a:prstGeom prst="rect">
-            <a:avLst/>
-          </a:prstGeom>
-          <a:noFill/>
-        </p:spPr>
-        <p:txBody>
-          <a:bodyPr wrap="none" lIns="0" tIns="0" rIns="0" bIns="0" rtlCol="0">
-            <a:spAutoFit/>
-          </a:bodyPr>
-          <a:lstStyle/>
-          <a:p>
-            <a:pPr algn="l"/>
-            <a:r>
-              <a:rPr lang="en-FR" sz="3600" dirty="0">
-                <a:solidFill>
-                  <a:schemeClr val="tx2"/>
-                </a:solidFill>
-              </a:rPr>
-              <a:t>Phi-3</a:t>
-            </a:r>
-          </a:p>
-        </p:txBody>
-      </p:sp>
-      <p:sp>
-        <p:nvSpPr>
-          <p:cNvPr id="8" name="TextBox 7">
-            <a:extLst>
-              <a:ext uri="{FF2B5EF4-FFF2-40B4-BE49-F238E27FC236}">
-                <a16:creationId xmlns:a16="http://schemas.microsoft.com/office/drawing/2014/main" id="{587FEC66-08BE-1FFC-E9FB-E8FECA6C5A37}"/>
-              </a:ext>
-            </a:extLst>
-          </p:cNvPr>
-          <p:cNvSpPr txBox="1"/>
-          <p:nvPr/>
-        </p:nvSpPr>
-        <p:spPr>
-          <a:xfrm>
-            <a:off x="9828957" y="2408513"/>
-            <a:ext cx="961802" cy="369332"/>
-          </a:xfrm>
-          <a:prstGeom prst="rect">
-            <a:avLst/>
-          </a:prstGeom>
-          <a:noFill/>
-        </p:spPr>
-        <p:txBody>
-          <a:bodyPr wrap="none" lIns="0" tIns="0" rIns="0" bIns="0" rtlCol="0">
-            <a:spAutoFit/>
-          </a:bodyPr>
-          <a:lstStyle/>
-          <a:p>
-            <a:pPr algn="l"/>
-            <a:r>
-              <a:rPr lang="en-FR" sz="2400" dirty="0">
-                <a:solidFill>
-                  <a:schemeClr val="tx2">
-                    <a:lumMod val="75000"/>
-                  </a:schemeClr>
-                </a:solidFill>
-              </a:rPr>
-              <a:t>Ollama</a:t>
-            </a:r>
-          </a:p>
-        </p:txBody>
-      </p:sp>
-      <p:sp>
-        <p:nvSpPr>
-          <p:cNvPr id="9" name="TextBox 8">
-            <a:extLst>
-              <a:ext uri="{FF2B5EF4-FFF2-40B4-BE49-F238E27FC236}">
-                <a16:creationId xmlns:a16="http://schemas.microsoft.com/office/drawing/2014/main" id="{8FD4935B-55E7-E7B7-7E5F-9424070EE683}"/>
-              </a:ext>
-            </a:extLst>
-          </p:cNvPr>
-          <p:cNvSpPr txBox="1"/>
-          <p:nvPr/>
-        </p:nvSpPr>
-        <p:spPr>
-          <a:xfrm>
-            <a:off x="9697898" y="4078745"/>
-            <a:ext cx="1040349" cy="492443"/>
-          </a:xfrm>
-          <a:prstGeom prst="rect">
-            <a:avLst/>
-          </a:prstGeom>
-          <a:noFill/>
-        </p:spPr>
-        <p:txBody>
-          <a:bodyPr wrap="none" lIns="0" tIns="0" rIns="0" bIns="0" rtlCol="0">
-            <a:spAutoFit/>
-          </a:bodyPr>
-          <a:lstStyle/>
-          <a:p>
-            <a:pPr algn="l"/>
-            <a:r>
-              <a:rPr lang="en-FR" sz="3200" dirty="0">
-                <a:solidFill>
-                  <a:schemeClr val="tx2"/>
-                </a:solidFill>
-              </a:rPr>
-              <a:t>Azure</a:t>
-            </a:r>
-          </a:p>
-        </p:txBody>
-      </p:sp>
-      <p:sp>
-        <p:nvSpPr>
-          <p:cNvPr id="10" name="TextBox 9">
-            <a:extLst>
-              <a:ext uri="{FF2B5EF4-FFF2-40B4-BE49-F238E27FC236}">
-                <a16:creationId xmlns:a16="http://schemas.microsoft.com/office/drawing/2014/main" id="{C910C479-86D7-3DF7-9C8E-866CA18CF926}"/>
-              </a:ext>
-            </a:extLst>
-          </p:cNvPr>
-          <p:cNvSpPr txBox="1"/>
-          <p:nvPr/>
-        </p:nvSpPr>
-        <p:spPr>
-          <a:xfrm>
-            <a:off x="1397609" y="4033008"/>
-            <a:ext cx="3170740" cy="430887"/>
-          </a:xfrm>
-          <a:prstGeom prst="rect">
-            <a:avLst/>
-          </a:prstGeom>
-          <a:noFill/>
-        </p:spPr>
-        <p:txBody>
-          <a:bodyPr wrap="none" lIns="0" tIns="0" rIns="0" bIns="0" rtlCol="0">
-            <a:spAutoFit/>
-          </a:bodyPr>
-          <a:lstStyle/>
-          <a:p>
-            <a:pPr algn="l"/>
-            <a:r>
-              <a:rPr lang="en-FR" sz="2800" dirty="0">
-                <a:solidFill>
-                  <a:schemeClr val="tx2">
-                    <a:lumMod val="75000"/>
-                  </a:schemeClr>
-                </a:solidFill>
-              </a:rPr>
-              <a:t>Prompt engineering</a:t>
-            </a:r>
-          </a:p>
-        </p:txBody>
-      </p:sp>
-      <p:sp>
-        <p:nvSpPr>
-          <p:cNvPr id="11" name="TextBox 10">
-            <a:extLst>
-              <a:ext uri="{FF2B5EF4-FFF2-40B4-BE49-F238E27FC236}">
-                <a16:creationId xmlns:a16="http://schemas.microsoft.com/office/drawing/2014/main" id="{A411AD22-433F-E8A8-6F8C-B7FD67B4D77B}"/>
-              </a:ext>
-            </a:extLst>
-          </p:cNvPr>
-          <p:cNvSpPr txBox="1"/>
-          <p:nvPr/>
-        </p:nvSpPr>
-        <p:spPr>
-          <a:xfrm>
-            <a:off x="2787004" y="1134732"/>
-            <a:ext cx="1702389" cy="369332"/>
-          </a:xfrm>
-          <a:prstGeom prst="rect">
-            <a:avLst/>
-          </a:prstGeom>
-          <a:noFill/>
-        </p:spPr>
-        <p:txBody>
-          <a:bodyPr wrap="none" lIns="0" tIns="0" rIns="0" bIns="0" rtlCol="0">
-            <a:spAutoFit/>
-          </a:bodyPr>
-          <a:lstStyle/>
-          <a:p>
-            <a:pPr algn="l"/>
-            <a:r>
-              <a:rPr lang="en-FR" sz="2400" dirty="0"/>
-              <a:t>LangChain.js</a:t>
-            </a:r>
-          </a:p>
-        </p:txBody>
-      </p:sp>
-      <p:sp>
-        <p:nvSpPr>
-          <p:cNvPr id="12" name="TextBox 11">
-            <a:extLst>
-              <a:ext uri="{FF2B5EF4-FFF2-40B4-BE49-F238E27FC236}">
-                <a16:creationId xmlns:a16="http://schemas.microsoft.com/office/drawing/2014/main" id="{358F2791-755B-4A7B-5D17-9C8F80835AD3}"/>
-              </a:ext>
-            </a:extLst>
-          </p:cNvPr>
-          <p:cNvSpPr txBox="1"/>
-          <p:nvPr/>
-        </p:nvSpPr>
-        <p:spPr>
-          <a:xfrm>
-            <a:off x="4088716" y="1731696"/>
-            <a:ext cx="5970160" cy="492443"/>
-          </a:xfrm>
-          <a:prstGeom prst="rect">
-            <a:avLst/>
-          </a:prstGeom>
-          <a:noFill/>
-        </p:spPr>
-        <p:txBody>
-          <a:bodyPr wrap="none" lIns="0" tIns="0" rIns="0" bIns="0" rtlCol="0">
-            <a:spAutoFit/>
-          </a:bodyPr>
-          <a:lstStyle/>
-          <a:p>
-            <a:pPr algn="l"/>
-            <a:r>
-              <a:rPr lang="en-FR" sz="3200" dirty="0">
-                <a:solidFill>
-                  <a:schemeClr val="tx2">
-                    <a:lumMod val="50000"/>
-                  </a:schemeClr>
-                </a:solidFill>
-              </a:rPr>
-              <a:t>Retrieval-Augmented Generation</a:t>
-            </a:r>
-          </a:p>
-        </p:txBody>
-      </p:sp>
-      <p:sp>
-        <p:nvSpPr>
-          <p:cNvPr id="13" name="TextBox 12">
-            <a:extLst>
-              <a:ext uri="{FF2B5EF4-FFF2-40B4-BE49-F238E27FC236}">
-                <a16:creationId xmlns:a16="http://schemas.microsoft.com/office/drawing/2014/main" id="{1F73A9F1-B428-4C6A-9568-438B81072A3E}"/>
-              </a:ext>
-            </a:extLst>
-          </p:cNvPr>
-          <p:cNvSpPr txBox="1"/>
-          <p:nvPr/>
-        </p:nvSpPr>
-        <p:spPr>
-          <a:xfrm>
-            <a:off x="5873276" y="933285"/>
-            <a:ext cx="1405834" cy="307777"/>
-          </a:xfrm>
-          <a:prstGeom prst="rect">
-            <a:avLst/>
-          </a:prstGeom>
-          <a:noFill/>
-        </p:spPr>
-        <p:txBody>
-          <a:bodyPr wrap="none" lIns="0" tIns="0" rIns="0" bIns="0" rtlCol="0">
-            <a:spAutoFit/>
-          </a:bodyPr>
-          <a:lstStyle/>
-          <a:p>
-            <a:pPr algn="l"/>
-            <a:r>
-              <a:rPr lang="en-FR" sz="2000" dirty="0">
-                <a:solidFill>
-                  <a:schemeClr val="tx2">
-                    <a:lumMod val="75000"/>
-                  </a:schemeClr>
-                </a:solidFill>
-              </a:rPr>
-              <a:t>Embeddings</a:t>
-            </a:r>
-          </a:p>
-        </p:txBody>
-      </p:sp>
-      <p:sp>
-        <p:nvSpPr>
-          <p:cNvPr id="14" name="TextBox 13">
-            <a:extLst>
-              <a:ext uri="{FF2B5EF4-FFF2-40B4-BE49-F238E27FC236}">
-                <a16:creationId xmlns:a16="http://schemas.microsoft.com/office/drawing/2014/main" id="{521EE418-119D-C237-F518-FABE40C9A85A}"/>
-              </a:ext>
-            </a:extLst>
-          </p:cNvPr>
-          <p:cNvSpPr txBox="1"/>
-          <p:nvPr/>
-        </p:nvSpPr>
-        <p:spPr>
-          <a:xfrm>
-            <a:off x="8858381" y="4861152"/>
-            <a:ext cx="1823897" cy="369332"/>
-          </a:xfrm>
-          <a:prstGeom prst="rect">
-            <a:avLst/>
-          </a:prstGeom>
-          <a:noFill/>
-        </p:spPr>
-        <p:txBody>
-          <a:bodyPr wrap="none" lIns="0" tIns="0" rIns="0" bIns="0" rtlCol="0">
-            <a:spAutoFit/>
-          </a:bodyPr>
-          <a:lstStyle/>
-          <a:p>
-            <a:pPr algn="l"/>
-            <a:r>
-              <a:rPr lang="en-FR" sz="2400" dirty="0">
-                <a:solidFill>
-                  <a:schemeClr val="tx2">
-                    <a:lumMod val="50000"/>
-                  </a:schemeClr>
-                </a:solidFill>
-              </a:rPr>
-              <a:t>Vector search</a:t>
-            </a:r>
-          </a:p>
-        </p:txBody>
-      </p:sp>
-      <p:sp>
-        <p:nvSpPr>
-          <p:cNvPr id="15" name="TextBox 14">
-            <a:extLst>
-              <a:ext uri="{FF2B5EF4-FFF2-40B4-BE49-F238E27FC236}">
-                <a16:creationId xmlns:a16="http://schemas.microsoft.com/office/drawing/2014/main" id="{35BA264E-6833-CEDB-FC12-94EACD1EA657}"/>
-              </a:ext>
-            </a:extLst>
-          </p:cNvPr>
-          <p:cNvSpPr txBox="1"/>
-          <p:nvPr/>
-        </p:nvSpPr>
-        <p:spPr>
-          <a:xfrm>
-            <a:off x="7241938" y="2717792"/>
-            <a:ext cx="1990994" cy="369332"/>
-          </a:xfrm>
-          <a:prstGeom prst="rect">
-            <a:avLst/>
-          </a:prstGeom>
-          <a:noFill/>
-        </p:spPr>
-        <p:txBody>
-          <a:bodyPr wrap="none" lIns="0" tIns="0" rIns="0" bIns="0" rtlCol="0">
-            <a:spAutoFit/>
-          </a:bodyPr>
-          <a:lstStyle/>
-          <a:p>
-            <a:pPr algn="l"/>
-            <a:r>
-              <a:rPr lang="en-FR" sz="2400" dirty="0"/>
-              <a:t>Responsible AI</a:t>
-            </a:r>
-          </a:p>
-        </p:txBody>
-      </p:sp>
-      <p:sp>
-        <p:nvSpPr>
-          <p:cNvPr id="16" name="TextBox 15">
-            <a:extLst>
-              <a:ext uri="{FF2B5EF4-FFF2-40B4-BE49-F238E27FC236}">
-                <a16:creationId xmlns:a16="http://schemas.microsoft.com/office/drawing/2014/main" id="{241BF11A-8FED-9DB7-F189-DD8512F8E5A7}"/>
-              </a:ext>
-            </a:extLst>
-          </p:cNvPr>
-          <p:cNvSpPr txBox="1"/>
-          <p:nvPr/>
-        </p:nvSpPr>
-        <p:spPr>
-          <a:xfrm>
-            <a:off x="3793425" y="5354010"/>
-            <a:ext cx="1223092" cy="369332"/>
-          </a:xfrm>
-          <a:prstGeom prst="rect">
-            <a:avLst/>
-          </a:prstGeom>
-          <a:noFill/>
-        </p:spPr>
-        <p:txBody>
-          <a:bodyPr wrap="none" lIns="0" tIns="0" rIns="0" bIns="0" rtlCol="0">
-            <a:spAutoFit/>
-          </a:bodyPr>
-          <a:lstStyle/>
-          <a:p>
-            <a:pPr algn="l"/>
-            <a:r>
-              <a:rPr lang="en-FR" sz="2400" dirty="0">
-                <a:solidFill>
-                  <a:schemeClr val="tx2">
-                    <a:lumMod val="75000"/>
-                  </a:schemeClr>
-                </a:solidFill>
-              </a:rPr>
-              <a:t>Chatbots</a:t>
-            </a:r>
-          </a:p>
-        </p:txBody>
-      </p:sp>
-      <p:sp>
-        <p:nvSpPr>
-          <p:cNvPr id="17" name="TextBox 16">
-            <a:extLst>
-              <a:ext uri="{FF2B5EF4-FFF2-40B4-BE49-F238E27FC236}">
-                <a16:creationId xmlns:a16="http://schemas.microsoft.com/office/drawing/2014/main" id="{8D004F4B-6423-8E84-D393-D499EF603445}"/>
-              </a:ext>
-            </a:extLst>
-          </p:cNvPr>
-          <p:cNvSpPr txBox="1"/>
-          <p:nvPr/>
-        </p:nvSpPr>
-        <p:spPr>
-          <a:xfrm>
-            <a:off x="1819957" y="5470029"/>
-            <a:ext cx="1402628" cy="369332"/>
-          </a:xfrm>
-          <a:prstGeom prst="rect">
-            <a:avLst/>
-          </a:prstGeom>
-          <a:noFill/>
-        </p:spPr>
-        <p:txBody>
-          <a:bodyPr wrap="none" lIns="0" tIns="0" rIns="0" bIns="0" rtlCol="0">
-            <a:spAutoFit/>
-          </a:bodyPr>
-          <a:lstStyle/>
-          <a:p>
-            <a:pPr algn="l"/>
-            <a:r>
-              <a:rPr lang="en-FR" sz="2400" dirty="0"/>
-              <a:t>Evaluation</a:t>
-            </a:r>
-          </a:p>
-        </p:txBody>
-      </p:sp>
-      <p:sp>
-        <p:nvSpPr>
-          <p:cNvPr id="18" name="TextBox 17">
-            <a:extLst>
-              <a:ext uri="{FF2B5EF4-FFF2-40B4-BE49-F238E27FC236}">
-                <a16:creationId xmlns:a16="http://schemas.microsoft.com/office/drawing/2014/main" id="{9F000004-F90F-4191-4E7F-7D1563CED8F1}"/>
-              </a:ext>
-            </a:extLst>
-          </p:cNvPr>
-          <p:cNvSpPr txBox="1"/>
-          <p:nvPr/>
-        </p:nvSpPr>
-        <p:spPr>
-          <a:xfrm>
-            <a:off x="6219086" y="5631956"/>
-            <a:ext cx="2699457" cy="307777"/>
-          </a:xfrm>
-          <a:prstGeom prst="rect">
-            <a:avLst/>
-          </a:prstGeom>
-          <a:noFill/>
-        </p:spPr>
-        <p:txBody>
-          <a:bodyPr wrap="none" lIns="0" tIns="0" rIns="0" bIns="0" rtlCol="0">
-            <a:spAutoFit/>
-          </a:bodyPr>
-          <a:lstStyle/>
-          <a:p>
-            <a:pPr algn="l"/>
-            <a:r>
-              <a:rPr lang="en-FR" sz="2000" dirty="0"/>
-              <a:t>Small Language Models</a:t>
-            </a:r>
-          </a:p>
-        </p:txBody>
-      </p:sp>
-      <p:sp>
-        <p:nvSpPr>
-          <p:cNvPr id="19" name="TextBox 18">
-            <a:extLst>
-              <a:ext uri="{FF2B5EF4-FFF2-40B4-BE49-F238E27FC236}">
-                <a16:creationId xmlns:a16="http://schemas.microsoft.com/office/drawing/2014/main" id="{1F093C1B-01F8-3603-8435-C17CC0C7B4AA}"/>
-              </a:ext>
-            </a:extLst>
-          </p:cNvPr>
-          <p:cNvSpPr txBox="1"/>
-          <p:nvPr/>
-        </p:nvSpPr>
-        <p:spPr>
-          <a:xfrm>
-            <a:off x="9707044" y="3486319"/>
-            <a:ext cx="1389804" cy="307777"/>
-          </a:xfrm>
-          <a:prstGeom prst="rect">
-            <a:avLst/>
-          </a:prstGeom>
-          <a:noFill/>
-        </p:spPr>
-        <p:txBody>
-          <a:bodyPr wrap="none" lIns="0" tIns="0" rIns="0" bIns="0" rtlCol="0">
-            <a:spAutoFit/>
-          </a:bodyPr>
-          <a:lstStyle/>
-          <a:p>
-            <a:pPr algn="l"/>
-            <a:r>
-              <a:rPr lang="en-FR" sz="2000" dirty="0"/>
-              <a:t>Deployment</a:t>
-            </a:r>
-          </a:p>
-        </p:txBody>
-      </p:sp>
-      <p:sp>
-        <p:nvSpPr>
-          <p:cNvPr id="20" name="TextBox 19">
-            <a:extLst>
-              <a:ext uri="{FF2B5EF4-FFF2-40B4-BE49-F238E27FC236}">
-                <a16:creationId xmlns:a16="http://schemas.microsoft.com/office/drawing/2014/main" id="{984CD474-5C90-713C-CDBD-4777AAA4AB97}"/>
-              </a:ext>
-            </a:extLst>
-          </p:cNvPr>
-          <p:cNvSpPr txBox="1"/>
-          <p:nvPr/>
-        </p:nvSpPr>
-        <p:spPr>
-          <a:xfrm>
-            <a:off x="3190766" y="4755064"/>
-            <a:ext cx="1699183" cy="307777"/>
-          </a:xfrm>
-          <a:prstGeom prst="rect">
-            <a:avLst/>
-          </a:prstGeom>
-          <a:noFill/>
-        </p:spPr>
-        <p:txBody>
-          <a:bodyPr wrap="none" lIns="0" tIns="0" rIns="0" bIns="0" rtlCol="0">
-            <a:spAutoFit/>
-          </a:bodyPr>
-          <a:lstStyle/>
-          <a:p>
-            <a:pPr algn="l"/>
-            <a:r>
-              <a:rPr lang="en-FR" sz="2000" dirty="0"/>
-              <a:t>Local inference</a:t>
-            </a:r>
-          </a:p>
-        </p:txBody>
-      </p:sp>
-      <p:sp>
-        <p:nvSpPr>
-          <p:cNvPr id="21" name="TextBox 20">
-            <a:extLst>
-              <a:ext uri="{FF2B5EF4-FFF2-40B4-BE49-F238E27FC236}">
-                <a16:creationId xmlns:a16="http://schemas.microsoft.com/office/drawing/2014/main" id="{C77B212A-7E95-60E4-3136-4129E7EA4E2F}"/>
-              </a:ext>
-            </a:extLst>
-          </p:cNvPr>
-          <p:cNvSpPr txBox="1"/>
-          <p:nvPr/>
-        </p:nvSpPr>
-        <p:spPr>
-          <a:xfrm>
-            <a:off x="5897666" y="4735362"/>
-            <a:ext cx="2229778" cy="492443"/>
-          </a:xfrm>
-          <a:prstGeom prst="rect">
-            <a:avLst/>
-          </a:prstGeom>
-          <a:noFill/>
-        </p:spPr>
-        <p:txBody>
-          <a:bodyPr wrap="none" lIns="0" tIns="0" rIns="0" bIns="0" rtlCol="0">
-            <a:spAutoFit/>
-          </a:bodyPr>
-          <a:lstStyle/>
-          <a:p>
-            <a:pPr algn="l"/>
-            <a:r>
-              <a:rPr lang="en-FR" sz="3200" dirty="0">
-                <a:solidFill>
-                  <a:schemeClr val="tx2">
-                    <a:lumMod val="50000"/>
-                  </a:schemeClr>
-                </a:solidFill>
-              </a:rPr>
-              <a:t>OpenAI SDK</a:t>
-            </a:r>
-          </a:p>
-        </p:txBody>
-      </p:sp>
-      <p:sp>
-        <p:nvSpPr>
-          <p:cNvPr id="22" name="TextBox 21">
-            <a:extLst>
-              <a:ext uri="{FF2B5EF4-FFF2-40B4-BE49-F238E27FC236}">
-                <a16:creationId xmlns:a16="http://schemas.microsoft.com/office/drawing/2014/main" id="{3C7DF5B1-672F-B6E7-6C4D-FFC31BEFE0FE}"/>
-              </a:ext>
-            </a:extLst>
-          </p:cNvPr>
-          <p:cNvSpPr txBox="1"/>
-          <p:nvPr/>
-        </p:nvSpPr>
-        <p:spPr>
-          <a:xfrm>
-            <a:off x="8068069" y="4113599"/>
-            <a:ext cx="778034" cy="307777"/>
-          </a:xfrm>
-          <a:prstGeom prst="rect">
-            <a:avLst/>
-          </a:prstGeom>
-          <a:noFill/>
-        </p:spPr>
-        <p:txBody>
-          <a:bodyPr wrap="none" lIns="0" tIns="0" rIns="0" bIns="0" rtlCol="0">
-            <a:spAutoFit/>
-          </a:bodyPr>
-          <a:lstStyle/>
-          <a:p>
-            <a:pPr algn="l"/>
-            <a:r>
-              <a:rPr lang="en-FR" sz="2000" dirty="0"/>
-              <a:t>Tokens</a:t>
-            </a:r>
-          </a:p>
-        </p:txBody>
-      </p:sp>
-      <p:sp>
-        <p:nvSpPr>
-          <p:cNvPr id="23" name="TextBox 22">
-            <a:extLst>
-              <a:ext uri="{FF2B5EF4-FFF2-40B4-BE49-F238E27FC236}">
-                <a16:creationId xmlns:a16="http://schemas.microsoft.com/office/drawing/2014/main" id="{8F829A05-669E-F745-E6F2-EE8AB328A35E}"/>
-              </a:ext>
-            </a:extLst>
-          </p:cNvPr>
-          <p:cNvSpPr txBox="1"/>
-          <p:nvPr/>
-        </p:nvSpPr>
-        <p:spPr>
-          <a:xfrm>
-            <a:off x="3188444" y="2701891"/>
-            <a:ext cx="899413" cy="307777"/>
-          </a:xfrm>
-          <a:prstGeom prst="rect">
-            <a:avLst/>
-          </a:prstGeom>
-          <a:noFill/>
-        </p:spPr>
-        <p:txBody>
-          <a:bodyPr wrap="none" lIns="0" tIns="0" rIns="0" bIns="0" rtlCol="0">
-            <a:spAutoFit/>
-          </a:bodyPr>
-          <a:lstStyle/>
-          <a:p>
-            <a:pPr algn="l"/>
-            <a:r>
-              <a:rPr lang="en-FR" sz="2000" dirty="0"/>
-              <a:t>Training</a:t>
-            </a:r>
-          </a:p>
-        </p:txBody>
-      </p:sp>
-      <p:sp>
-        <p:nvSpPr>
-          <p:cNvPr id="24" name="TextBox 23">
-            <a:extLst>
-              <a:ext uri="{FF2B5EF4-FFF2-40B4-BE49-F238E27FC236}">
-                <a16:creationId xmlns:a16="http://schemas.microsoft.com/office/drawing/2014/main" id="{80E08BAE-3908-F793-8618-95DB61EA89C4}"/>
-              </a:ext>
-            </a:extLst>
-          </p:cNvPr>
-          <p:cNvSpPr txBox="1"/>
-          <p:nvPr/>
-        </p:nvSpPr>
-        <p:spPr>
-          <a:xfrm>
-            <a:off x="5396746" y="4113600"/>
-            <a:ext cx="1644681" cy="307777"/>
-          </a:xfrm>
-          <a:prstGeom prst="rect">
-            <a:avLst/>
-          </a:prstGeom>
-          <a:noFill/>
-        </p:spPr>
-        <p:txBody>
-          <a:bodyPr wrap="none" lIns="0" tIns="0" rIns="0" bIns="0" rtlCol="0">
-            <a:spAutoFit/>
-          </a:bodyPr>
-          <a:lstStyle/>
-          <a:p>
-            <a:pPr algn="l"/>
-            <a:r>
-              <a:rPr lang="en-FR" sz="2000" dirty="0"/>
-              <a:t>Data ingestion</a:t>
-            </a:r>
-          </a:p>
-        </p:txBody>
-      </p:sp>
-      <p:sp>
-        <p:nvSpPr>
-          <p:cNvPr id="25" name="TextBox 24">
-            <a:extLst>
-              <a:ext uri="{FF2B5EF4-FFF2-40B4-BE49-F238E27FC236}">
-                <a16:creationId xmlns:a16="http://schemas.microsoft.com/office/drawing/2014/main" id="{97DAC614-7A30-A4A5-B415-B642D90A58F9}"/>
-              </a:ext>
-            </a:extLst>
-          </p:cNvPr>
-          <p:cNvSpPr txBox="1"/>
-          <p:nvPr/>
-        </p:nvSpPr>
-        <p:spPr>
-          <a:xfrm>
-            <a:off x="5280529" y="2489756"/>
-            <a:ext cx="1110882" cy="492443"/>
-          </a:xfrm>
-          <a:prstGeom prst="rect">
-            <a:avLst/>
-          </a:prstGeom>
-          <a:noFill/>
-        </p:spPr>
-        <p:txBody>
-          <a:bodyPr wrap="none" lIns="0" tIns="0" rIns="0" bIns="0" rtlCol="0">
-            <a:spAutoFit/>
-          </a:bodyPr>
-          <a:lstStyle/>
-          <a:p>
-            <a:pPr algn="l"/>
-            <a:r>
-              <a:rPr lang="en-FR" sz="3200" dirty="0">
-                <a:solidFill>
-                  <a:schemeClr val="tx2">
-                    <a:lumMod val="50000"/>
-                  </a:schemeClr>
-                </a:solidFill>
-              </a:rPr>
-              <a:t>GPT-4</a:t>
-            </a:r>
-          </a:p>
-        </p:txBody>
-      </p:sp>
-      <p:sp>
-        <p:nvSpPr>
-          <p:cNvPr id="26" name="TextBox 25">
-            <a:extLst>
-              <a:ext uri="{FF2B5EF4-FFF2-40B4-BE49-F238E27FC236}">
-                <a16:creationId xmlns:a16="http://schemas.microsoft.com/office/drawing/2014/main" id="{4B2CD09D-A958-9181-586B-77F1693102AF}"/>
-              </a:ext>
-            </a:extLst>
-          </p:cNvPr>
-          <p:cNvSpPr txBox="1"/>
-          <p:nvPr/>
-        </p:nvSpPr>
-        <p:spPr>
-          <a:xfrm>
-            <a:off x="1095152" y="3033418"/>
-            <a:ext cx="1245534" cy="307777"/>
-          </a:xfrm>
-          <a:prstGeom prst="rect">
-            <a:avLst/>
-          </a:prstGeom>
-          <a:noFill/>
-        </p:spPr>
-        <p:txBody>
-          <a:bodyPr wrap="none" lIns="0" tIns="0" rIns="0" bIns="0" rtlCol="0">
-            <a:spAutoFit/>
-          </a:bodyPr>
-          <a:lstStyle/>
-          <a:p>
-            <a:pPr algn="l"/>
-            <a:r>
-              <a:rPr lang="en-FR" sz="2000" dirty="0">
-                <a:solidFill>
-                  <a:schemeClr val="tx2">
-                    <a:lumMod val="75000"/>
-                  </a:schemeClr>
-                </a:solidFill>
-              </a:rPr>
-              <a:t>Production</a:t>
-            </a:r>
-          </a:p>
-        </p:txBody>
-      </p:sp>
-      <p:sp>
-        <p:nvSpPr>
-          <p:cNvPr id="27" name="TextBox 26">
-            <a:extLst>
-              <a:ext uri="{FF2B5EF4-FFF2-40B4-BE49-F238E27FC236}">
-                <a16:creationId xmlns:a16="http://schemas.microsoft.com/office/drawing/2014/main" id="{C9BCB08F-0A96-1804-1E4B-B359D2F1F422}"/>
-              </a:ext>
-            </a:extLst>
-          </p:cNvPr>
-          <p:cNvSpPr txBox="1"/>
-          <p:nvPr/>
-        </p:nvSpPr>
-        <p:spPr>
-          <a:xfrm>
-            <a:off x="8304501" y="1168683"/>
-            <a:ext cx="1524456" cy="307777"/>
-          </a:xfrm>
-          <a:prstGeom prst="rect">
-            <a:avLst/>
-          </a:prstGeom>
-          <a:noFill/>
-        </p:spPr>
-        <p:txBody>
-          <a:bodyPr wrap="none" lIns="0" tIns="0" rIns="0" bIns="0" rtlCol="0">
-            <a:spAutoFit/>
-          </a:bodyPr>
-          <a:lstStyle/>
-          <a:p>
-            <a:pPr algn="l"/>
-            <a:r>
-              <a:rPr lang="en-FR" sz="2000" dirty="0"/>
-              <a:t>Development</a:t>
-            </a:r>
-          </a:p>
-        </p:txBody>
-      </p:sp>
-      <p:sp>
-        <p:nvSpPr>
-          <p:cNvPr id="30" name="TextBox 29">
-            <a:extLst>
-              <a:ext uri="{FF2B5EF4-FFF2-40B4-BE49-F238E27FC236}">
-                <a16:creationId xmlns:a16="http://schemas.microsoft.com/office/drawing/2014/main" id="{F01C27CD-12BD-3156-EFC8-F2456423B88A}"/>
-              </a:ext>
-            </a:extLst>
-          </p:cNvPr>
-          <p:cNvSpPr txBox="1"/>
-          <p:nvPr/>
-        </p:nvSpPr>
-        <p:spPr>
-          <a:xfrm>
-            <a:off x="9650565" y="5500806"/>
-            <a:ext cx="880049" cy="307777"/>
-          </a:xfrm>
-          <a:prstGeom prst="rect">
-            <a:avLst/>
-          </a:prstGeom>
-          <a:noFill/>
-        </p:spPr>
-        <p:txBody>
-          <a:bodyPr wrap="none" lIns="0" tIns="0" rIns="0" bIns="0" rtlCol="0">
-            <a:spAutoFit/>
-          </a:bodyPr>
-          <a:lstStyle/>
-          <a:p>
-            <a:pPr algn="l"/>
-            <a:r>
-              <a:rPr lang="en-FR" sz="2000" dirty="0"/>
-              <a:t>Context</a:t>
-            </a:r>
-          </a:p>
-        </p:txBody>
-      </p:sp>
-      <p:sp>
-        <p:nvSpPr>
-          <p:cNvPr id="31" name="TextBox 30">
-            <a:extLst>
-              <a:ext uri="{FF2B5EF4-FFF2-40B4-BE49-F238E27FC236}">
-                <a16:creationId xmlns:a16="http://schemas.microsoft.com/office/drawing/2014/main" id="{594D5695-DE44-CA07-F380-66E7D400B127}"/>
-              </a:ext>
-            </a:extLst>
-          </p:cNvPr>
-          <p:cNvSpPr txBox="1"/>
-          <p:nvPr/>
-        </p:nvSpPr>
-        <p:spPr>
-          <a:xfrm>
-            <a:off x="1420521" y="1423919"/>
-            <a:ext cx="798873" cy="307777"/>
-          </a:xfrm>
-          <a:prstGeom prst="rect">
-            <a:avLst/>
-          </a:prstGeom>
-          <a:noFill/>
-        </p:spPr>
-        <p:txBody>
-          <a:bodyPr wrap="none" lIns="0" tIns="0" rIns="0" bIns="0" rtlCol="0">
-            <a:spAutoFit/>
-          </a:bodyPr>
-          <a:lstStyle/>
-          <a:p>
-            <a:pPr algn="l"/>
-            <a:r>
-              <a:rPr lang="en-FR" sz="2000" dirty="0"/>
-              <a:t>Testing</a:t>
-            </a:r>
-          </a:p>
-        </p:txBody>
-      </p:sp>
       <p:pic>
         <p:nvPicPr>
           <p:cNvPr id="49" name="Graphic 48" descr="Database outline">
@@ -22580,6 +21650,973 @@
           </a:prstGeom>
         </p:spPr>
       </p:pic>
+      <p:sp>
+        <p:nvSpPr>
+          <p:cNvPr id="7" name="TextBox 6">
+            <a:extLst>
+              <a:ext uri="{FF2B5EF4-FFF2-40B4-BE49-F238E27FC236}">
+                <a16:creationId xmlns:a16="http://schemas.microsoft.com/office/drawing/2014/main" id="{69F504C1-9F87-811D-106F-29E79296DEC7}"/>
+              </a:ext>
+            </a:extLst>
+          </p:cNvPr>
+          <p:cNvSpPr txBox="1"/>
+          <p:nvPr/>
+        </p:nvSpPr>
+        <p:spPr>
+          <a:xfrm>
+            <a:off x="2329755" y="1920811"/>
+            <a:ext cx="1064394" cy="553998"/>
+          </a:xfrm>
+          <a:prstGeom prst="rect">
+            <a:avLst/>
+          </a:prstGeom>
+          <a:noFill/>
+        </p:spPr>
+        <p:txBody>
+          <a:bodyPr wrap="none" lIns="0" tIns="0" rIns="0" bIns="0" rtlCol="0">
+            <a:spAutoFit/>
+          </a:bodyPr>
+          <a:lstStyle/>
+          <a:p>
+            <a:pPr algn="l"/>
+            <a:r>
+              <a:rPr lang="en-FR" sz="3600" dirty="0">
+                <a:solidFill>
+                  <a:schemeClr val="tx2"/>
+                </a:solidFill>
+              </a:rPr>
+              <a:t>Phi-3</a:t>
+            </a:r>
+          </a:p>
+        </p:txBody>
+      </p:sp>
+      <p:sp>
+        <p:nvSpPr>
+          <p:cNvPr id="8" name="TextBox 7">
+            <a:extLst>
+              <a:ext uri="{FF2B5EF4-FFF2-40B4-BE49-F238E27FC236}">
+                <a16:creationId xmlns:a16="http://schemas.microsoft.com/office/drawing/2014/main" id="{587FEC66-08BE-1FFC-E9FB-E8FECA6C5A37}"/>
+              </a:ext>
+            </a:extLst>
+          </p:cNvPr>
+          <p:cNvSpPr txBox="1"/>
+          <p:nvPr/>
+        </p:nvSpPr>
+        <p:spPr>
+          <a:xfrm>
+            <a:off x="9828957" y="2408513"/>
+            <a:ext cx="961802" cy="369332"/>
+          </a:xfrm>
+          <a:prstGeom prst="rect">
+            <a:avLst/>
+          </a:prstGeom>
+          <a:noFill/>
+        </p:spPr>
+        <p:txBody>
+          <a:bodyPr wrap="none" lIns="0" tIns="0" rIns="0" bIns="0" rtlCol="0">
+            <a:spAutoFit/>
+          </a:bodyPr>
+          <a:lstStyle/>
+          <a:p>
+            <a:pPr algn="l"/>
+            <a:r>
+              <a:rPr lang="en-FR" sz="2400" dirty="0">
+                <a:solidFill>
+                  <a:schemeClr val="tx2">
+                    <a:lumMod val="75000"/>
+                  </a:schemeClr>
+                </a:solidFill>
+              </a:rPr>
+              <a:t>Ollama</a:t>
+            </a:r>
+          </a:p>
+        </p:txBody>
+      </p:sp>
+      <p:sp>
+        <p:nvSpPr>
+          <p:cNvPr id="9" name="TextBox 8">
+            <a:extLst>
+              <a:ext uri="{FF2B5EF4-FFF2-40B4-BE49-F238E27FC236}">
+                <a16:creationId xmlns:a16="http://schemas.microsoft.com/office/drawing/2014/main" id="{8FD4935B-55E7-E7B7-7E5F-9424070EE683}"/>
+              </a:ext>
+            </a:extLst>
+          </p:cNvPr>
+          <p:cNvSpPr txBox="1"/>
+          <p:nvPr/>
+        </p:nvSpPr>
+        <p:spPr>
+          <a:xfrm>
+            <a:off x="9697898" y="4078745"/>
+            <a:ext cx="1040349" cy="492443"/>
+          </a:xfrm>
+          <a:prstGeom prst="rect">
+            <a:avLst/>
+          </a:prstGeom>
+          <a:noFill/>
+        </p:spPr>
+        <p:txBody>
+          <a:bodyPr wrap="none" lIns="0" tIns="0" rIns="0" bIns="0" rtlCol="0">
+            <a:spAutoFit/>
+          </a:bodyPr>
+          <a:lstStyle/>
+          <a:p>
+            <a:pPr algn="l"/>
+            <a:r>
+              <a:rPr lang="en-FR" sz="3200" dirty="0">
+                <a:solidFill>
+                  <a:schemeClr val="tx2"/>
+                </a:solidFill>
+              </a:rPr>
+              <a:t>Azure</a:t>
+            </a:r>
+          </a:p>
+        </p:txBody>
+      </p:sp>
+      <p:sp>
+        <p:nvSpPr>
+          <p:cNvPr id="10" name="TextBox 9">
+            <a:extLst>
+              <a:ext uri="{FF2B5EF4-FFF2-40B4-BE49-F238E27FC236}">
+                <a16:creationId xmlns:a16="http://schemas.microsoft.com/office/drawing/2014/main" id="{C910C479-86D7-3DF7-9C8E-866CA18CF926}"/>
+              </a:ext>
+            </a:extLst>
+          </p:cNvPr>
+          <p:cNvSpPr txBox="1"/>
+          <p:nvPr/>
+        </p:nvSpPr>
+        <p:spPr>
+          <a:xfrm>
+            <a:off x="1397609" y="4033008"/>
+            <a:ext cx="3170740" cy="430887"/>
+          </a:xfrm>
+          <a:prstGeom prst="rect">
+            <a:avLst/>
+          </a:prstGeom>
+          <a:noFill/>
+        </p:spPr>
+        <p:txBody>
+          <a:bodyPr wrap="none" lIns="0" tIns="0" rIns="0" bIns="0" rtlCol="0">
+            <a:spAutoFit/>
+          </a:bodyPr>
+          <a:lstStyle/>
+          <a:p>
+            <a:pPr algn="l"/>
+            <a:r>
+              <a:rPr lang="en-FR" sz="2800" dirty="0">
+                <a:solidFill>
+                  <a:schemeClr val="tx2">
+                    <a:lumMod val="75000"/>
+                  </a:schemeClr>
+                </a:solidFill>
+              </a:rPr>
+              <a:t>Prompt engineering</a:t>
+            </a:r>
+          </a:p>
+        </p:txBody>
+      </p:sp>
+      <p:sp>
+        <p:nvSpPr>
+          <p:cNvPr id="11" name="TextBox 10">
+            <a:extLst>
+              <a:ext uri="{FF2B5EF4-FFF2-40B4-BE49-F238E27FC236}">
+                <a16:creationId xmlns:a16="http://schemas.microsoft.com/office/drawing/2014/main" id="{A411AD22-433F-E8A8-6F8C-B7FD67B4D77B}"/>
+              </a:ext>
+            </a:extLst>
+          </p:cNvPr>
+          <p:cNvSpPr txBox="1"/>
+          <p:nvPr/>
+        </p:nvSpPr>
+        <p:spPr>
+          <a:xfrm>
+            <a:off x="2787004" y="1134732"/>
+            <a:ext cx="1702389" cy="369332"/>
+          </a:xfrm>
+          <a:prstGeom prst="rect">
+            <a:avLst/>
+          </a:prstGeom>
+          <a:noFill/>
+        </p:spPr>
+        <p:txBody>
+          <a:bodyPr wrap="none" lIns="0" tIns="0" rIns="0" bIns="0" rtlCol="0">
+            <a:spAutoFit/>
+          </a:bodyPr>
+          <a:lstStyle/>
+          <a:p>
+            <a:pPr algn="l"/>
+            <a:r>
+              <a:rPr lang="en-FR" sz="2400" dirty="0"/>
+              <a:t>LangChain.js</a:t>
+            </a:r>
+          </a:p>
+        </p:txBody>
+      </p:sp>
+      <p:sp>
+        <p:nvSpPr>
+          <p:cNvPr id="12" name="TextBox 11">
+            <a:extLst>
+              <a:ext uri="{FF2B5EF4-FFF2-40B4-BE49-F238E27FC236}">
+                <a16:creationId xmlns:a16="http://schemas.microsoft.com/office/drawing/2014/main" id="{358F2791-755B-4A7B-5D17-9C8F80835AD3}"/>
+              </a:ext>
+            </a:extLst>
+          </p:cNvPr>
+          <p:cNvSpPr txBox="1"/>
+          <p:nvPr/>
+        </p:nvSpPr>
+        <p:spPr>
+          <a:xfrm>
+            <a:off x="4088716" y="1731696"/>
+            <a:ext cx="5970160" cy="492443"/>
+          </a:xfrm>
+          <a:prstGeom prst="rect">
+            <a:avLst/>
+          </a:prstGeom>
+          <a:noFill/>
+        </p:spPr>
+        <p:txBody>
+          <a:bodyPr wrap="none" lIns="0" tIns="0" rIns="0" bIns="0" rtlCol="0">
+            <a:spAutoFit/>
+          </a:bodyPr>
+          <a:lstStyle/>
+          <a:p>
+            <a:pPr algn="l"/>
+            <a:r>
+              <a:rPr lang="en-FR" sz="3200" dirty="0">
+                <a:solidFill>
+                  <a:schemeClr val="tx2">
+                    <a:lumMod val="50000"/>
+                  </a:schemeClr>
+                </a:solidFill>
+              </a:rPr>
+              <a:t>Retrieval-Augmented Generation</a:t>
+            </a:r>
+          </a:p>
+        </p:txBody>
+      </p:sp>
+      <p:sp>
+        <p:nvSpPr>
+          <p:cNvPr id="13" name="TextBox 12">
+            <a:extLst>
+              <a:ext uri="{FF2B5EF4-FFF2-40B4-BE49-F238E27FC236}">
+                <a16:creationId xmlns:a16="http://schemas.microsoft.com/office/drawing/2014/main" id="{1F73A9F1-B428-4C6A-9568-438B81072A3E}"/>
+              </a:ext>
+            </a:extLst>
+          </p:cNvPr>
+          <p:cNvSpPr txBox="1"/>
+          <p:nvPr/>
+        </p:nvSpPr>
+        <p:spPr>
+          <a:xfrm>
+            <a:off x="5873276" y="933285"/>
+            <a:ext cx="1405834" cy="307777"/>
+          </a:xfrm>
+          <a:prstGeom prst="rect">
+            <a:avLst/>
+          </a:prstGeom>
+          <a:noFill/>
+        </p:spPr>
+        <p:txBody>
+          <a:bodyPr wrap="none" lIns="0" tIns="0" rIns="0" bIns="0" rtlCol="0">
+            <a:spAutoFit/>
+          </a:bodyPr>
+          <a:lstStyle/>
+          <a:p>
+            <a:pPr algn="l"/>
+            <a:r>
+              <a:rPr lang="en-FR" sz="2000" dirty="0">
+                <a:solidFill>
+                  <a:schemeClr val="tx2">
+                    <a:lumMod val="75000"/>
+                  </a:schemeClr>
+                </a:solidFill>
+              </a:rPr>
+              <a:t>Embeddings</a:t>
+            </a:r>
+          </a:p>
+        </p:txBody>
+      </p:sp>
+      <p:sp>
+        <p:nvSpPr>
+          <p:cNvPr id="14" name="TextBox 13">
+            <a:extLst>
+              <a:ext uri="{FF2B5EF4-FFF2-40B4-BE49-F238E27FC236}">
+                <a16:creationId xmlns:a16="http://schemas.microsoft.com/office/drawing/2014/main" id="{521EE418-119D-C237-F518-FABE40C9A85A}"/>
+              </a:ext>
+            </a:extLst>
+          </p:cNvPr>
+          <p:cNvSpPr txBox="1"/>
+          <p:nvPr/>
+        </p:nvSpPr>
+        <p:spPr>
+          <a:xfrm>
+            <a:off x="8858381" y="4861152"/>
+            <a:ext cx="1823897" cy="369332"/>
+          </a:xfrm>
+          <a:prstGeom prst="rect">
+            <a:avLst/>
+          </a:prstGeom>
+          <a:noFill/>
+        </p:spPr>
+        <p:txBody>
+          <a:bodyPr wrap="none" lIns="0" tIns="0" rIns="0" bIns="0" rtlCol="0">
+            <a:spAutoFit/>
+          </a:bodyPr>
+          <a:lstStyle/>
+          <a:p>
+            <a:pPr algn="l"/>
+            <a:r>
+              <a:rPr lang="en-FR" sz="2400" dirty="0">
+                <a:solidFill>
+                  <a:schemeClr val="tx2">
+                    <a:lumMod val="50000"/>
+                  </a:schemeClr>
+                </a:solidFill>
+              </a:rPr>
+              <a:t>Vector search</a:t>
+            </a:r>
+          </a:p>
+        </p:txBody>
+      </p:sp>
+      <p:sp>
+        <p:nvSpPr>
+          <p:cNvPr id="15" name="TextBox 14">
+            <a:extLst>
+              <a:ext uri="{FF2B5EF4-FFF2-40B4-BE49-F238E27FC236}">
+                <a16:creationId xmlns:a16="http://schemas.microsoft.com/office/drawing/2014/main" id="{35BA264E-6833-CEDB-FC12-94EACD1EA657}"/>
+              </a:ext>
+            </a:extLst>
+          </p:cNvPr>
+          <p:cNvSpPr txBox="1"/>
+          <p:nvPr/>
+        </p:nvSpPr>
+        <p:spPr>
+          <a:xfrm>
+            <a:off x="7241938" y="2717792"/>
+            <a:ext cx="1990994" cy="369332"/>
+          </a:xfrm>
+          <a:prstGeom prst="rect">
+            <a:avLst/>
+          </a:prstGeom>
+          <a:noFill/>
+        </p:spPr>
+        <p:txBody>
+          <a:bodyPr wrap="none" lIns="0" tIns="0" rIns="0" bIns="0" rtlCol="0">
+            <a:spAutoFit/>
+          </a:bodyPr>
+          <a:lstStyle/>
+          <a:p>
+            <a:pPr algn="l"/>
+            <a:r>
+              <a:rPr lang="en-FR" sz="2400" dirty="0"/>
+              <a:t>Responsible AI</a:t>
+            </a:r>
+          </a:p>
+        </p:txBody>
+      </p:sp>
+      <p:sp>
+        <p:nvSpPr>
+          <p:cNvPr id="16" name="TextBox 15">
+            <a:extLst>
+              <a:ext uri="{FF2B5EF4-FFF2-40B4-BE49-F238E27FC236}">
+                <a16:creationId xmlns:a16="http://schemas.microsoft.com/office/drawing/2014/main" id="{241BF11A-8FED-9DB7-F189-DD8512F8E5A7}"/>
+              </a:ext>
+            </a:extLst>
+          </p:cNvPr>
+          <p:cNvSpPr txBox="1"/>
+          <p:nvPr/>
+        </p:nvSpPr>
+        <p:spPr>
+          <a:xfrm>
+            <a:off x="3793425" y="5354010"/>
+            <a:ext cx="1223092" cy="369332"/>
+          </a:xfrm>
+          <a:prstGeom prst="rect">
+            <a:avLst/>
+          </a:prstGeom>
+          <a:noFill/>
+        </p:spPr>
+        <p:txBody>
+          <a:bodyPr wrap="none" lIns="0" tIns="0" rIns="0" bIns="0" rtlCol="0">
+            <a:spAutoFit/>
+          </a:bodyPr>
+          <a:lstStyle/>
+          <a:p>
+            <a:pPr algn="l"/>
+            <a:r>
+              <a:rPr lang="en-FR" sz="2400" dirty="0">
+                <a:solidFill>
+                  <a:schemeClr val="tx2">
+                    <a:lumMod val="75000"/>
+                  </a:schemeClr>
+                </a:solidFill>
+              </a:rPr>
+              <a:t>Chatbots</a:t>
+            </a:r>
+          </a:p>
+        </p:txBody>
+      </p:sp>
+      <p:sp>
+        <p:nvSpPr>
+          <p:cNvPr id="17" name="TextBox 16">
+            <a:extLst>
+              <a:ext uri="{FF2B5EF4-FFF2-40B4-BE49-F238E27FC236}">
+                <a16:creationId xmlns:a16="http://schemas.microsoft.com/office/drawing/2014/main" id="{8D004F4B-6423-8E84-D393-D499EF603445}"/>
+              </a:ext>
+            </a:extLst>
+          </p:cNvPr>
+          <p:cNvSpPr txBox="1"/>
+          <p:nvPr/>
+        </p:nvSpPr>
+        <p:spPr>
+          <a:xfrm>
+            <a:off x="1819957" y="5470029"/>
+            <a:ext cx="1402628" cy="369332"/>
+          </a:xfrm>
+          <a:prstGeom prst="rect">
+            <a:avLst/>
+          </a:prstGeom>
+          <a:noFill/>
+        </p:spPr>
+        <p:txBody>
+          <a:bodyPr wrap="none" lIns="0" tIns="0" rIns="0" bIns="0" rtlCol="0">
+            <a:spAutoFit/>
+          </a:bodyPr>
+          <a:lstStyle/>
+          <a:p>
+            <a:pPr algn="l"/>
+            <a:r>
+              <a:rPr lang="en-FR" sz="2400" dirty="0"/>
+              <a:t>Evaluation</a:t>
+            </a:r>
+          </a:p>
+        </p:txBody>
+      </p:sp>
+      <p:sp>
+        <p:nvSpPr>
+          <p:cNvPr id="18" name="TextBox 17">
+            <a:extLst>
+              <a:ext uri="{FF2B5EF4-FFF2-40B4-BE49-F238E27FC236}">
+                <a16:creationId xmlns:a16="http://schemas.microsoft.com/office/drawing/2014/main" id="{9F000004-F90F-4191-4E7F-7D1563CED8F1}"/>
+              </a:ext>
+            </a:extLst>
+          </p:cNvPr>
+          <p:cNvSpPr txBox="1"/>
+          <p:nvPr/>
+        </p:nvSpPr>
+        <p:spPr>
+          <a:xfrm>
+            <a:off x="6219086" y="5631956"/>
+            <a:ext cx="2699457" cy="307777"/>
+          </a:xfrm>
+          <a:prstGeom prst="rect">
+            <a:avLst/>
+          </a:prstGeom>
+          <a:noFill/>
+        </p:spPr>
+        <p:txBody>
+          <a:bodyPr wrap="none" lIns="0" tIns="0" rIns="0" bIns="0" rtlCol="0">
+            <a:spAutoFit/>
+          </a:bodyPr>
+          <a:lstStyle/>
+          <a:p>
+            <a:pPr algn="l"/>
+            <a:r>
+              <a:rPr lang="en-FR" sz="2000" dirty="0"/>
+              <a:t>Small Language Models</a:t>
+            </a:r>
+          </a:p>
+        </p:txBody>
+      </p:sp>
+      <p:sp>
+        <p:nvSpPr>
+          <p:cNvPr id="19" name="TextBox 18">
+            <a:extLst>
+              <a:ext uri="{FF2B5EF4-FFF2-40B4-BE49-F238E27FC236}">
+                <a16:creationId xmlns:a16="http://schemas.microsoft.com/office/drawing/2014/main" id="{1F093C1B-01F8-3603-8435-C17CC0C7B4AA}"/>
+              </a:ext>
+            </a:extLst>
+          </p:cNvPr>
+          <p:cNvSpPr txBox="1"/>
+          <p:nvPr/>
+        </p:nvSpPr>
+        <p:spPr>
+          <a:xfrm>
+            <a:off x="9707044" y="3486319"/>
+            <a:ext cx="1389804" cy="307777"/>
+          </a:xfrm>
+          <a:prstGeom prst="rect">
+            <a:avLst/>
+          </a:prstGeom>
+          <a:noFill/>
+        </p:spPr>
+        <p:txBody>
+          <a:bodyPr wrap="none" lIns="0" tIns="0" rIns="0" bIns="0" rtlCol="0">
+            <a:spAutoFit/>
+          </a:bodyPr>
+          <a:lstStyle/>
+          <a:p>
+            <a:pPr algn="l"/>
+            <a:r>
+              <a:rPr lang="en-FR" sz="2000" dirty="0"/>
+              <a:t>Deployment</a:t>
+            </a:r>
+          </a:p>
+        </p:txBody>
+      </p:sp>
+      <p:sp>
+        <p:nvSpPr>
+          <p:cNvPr id="20" name="TextBox 19">
+            <a:extLst>
+              <a:ext uri="{FF2B5EF4-FFF2-40B4-BE49-F238E27FC236}">
+                <a16:creationId xmlns:a16="http://schemas.microsoft.com/office/drawing/2014/main" id="{984CD474-5C90-713C-CDBD-4777AAA4AB97}"/>
+              </a:ext>
+            </a:extLst>
+          </p:cNvPr>
+          <p:cNvSpPr txBox="1"/>
+          <p:nvPr/>
+        </p:nvSpPr>
+        <p:spPr>
+          <a:xfrm>
+            <a:off x="3190766" y="4755064"/>
+            <a:ext cx="1699183" cy="307777"/>
+          </a:xfrm>
+          <a:prstGeom prst="rect">
+            <a:avLst/>
+          </a:prstGeom>
+          <a:noFill/>
+        </p:spPr>
+        <p:txBody>
+          <a:bodyPr wrap="none" lIns="0" tIns="0" rIns="0" bIns="0" rtlCol="0">
+            <a:spAutoFit/>
+          </a:bodyPr>
+          <a:lstStyle/>
+          <a:p>
+            <a:pPr algn="l"/>
+            <a:r>
+              <a:rPr lang="en-FR" sz="2000" dirty="0"/>
+              <a:t>Local inference</a:t>
+            </a:r>
+          </a:p>
+        </p:txBody>
+      </p:sp>
+      <p:sp>
+        <p:nvSpPr>
+          <p:cNvPr id="21" name="TextBox 20">
+            <a:extLst>
+              <a:ext uri="{FF2B5EF4-FFF2-40B4-BE49-F238E27FC236}">
+                <a16:creationId xmlns:a16="http://schemas.microsoft.com/office/drawing/2014/main" id="{C77B212A-7E95-60E4-3136-4129E7EA4E2F}"/>
+              </a:ext>
+            </a:extLst>
+          </p:cNvPr>
+          <p:cNvSpPr txBox="1"/>
+          <p:nvPr/>
+        </p:nvSpPr>
+        <p:spPr>
+          <a:xfrm>
+            <a:off x="5897666" y="4735362"/>
+            <a:ext cx="2229778" cy="492443"/>
+          </a:xfrm>
+          <a:prstGeom prst="rect">
+            <a:avLst/>
+          </a:prstGeom>
+          <a:noFill/>
+        </p:spPr>
+        <p:txBody>
+          <a:bodyPr wrap="none" lIns="0" tIns="0" rIns="0" bIns="0" rtlCol="0">
+            <a:spAutoFit/>
+          </a:bodyPr>
+          <a:lstStyle/>
+          <a:p>
+            <a:pPr algn="l"/>
+            <a:r>
+              <a:rPr lang="en-FR" sz="3200" dirty="0">
+                <a:solidFill>
+                  <a:schemeClr val="tx2">
+                    <a:lumMod val="50000"/>
+                  </a:schemeClr>
+                </a:solidFill>
+              </a:rPr>
+              <a:t>OpenAI SDK</a:t>
+            </a:r>
+          </a:p>
+        </p:txBody>
+      </p:sp>
+      <p:sp>
+        <p:nvSpPr>
+          <p:cNvPr id="22" name="TextBox 21">
+            <a:extLst>
+              <a:ext uri="{FF2B5EF4-FFF2-40B4-BE49-F238E27FC236}">
+                <a16:creationId xmlns:a16="http://schemas.microsoft.com/office/drawing/2014/main" id="{3C7DF5B1-672F-B6E7-6C4D-FFC31BEFE0FE}"/>
+              </a:ext>
+            </a:extLst>
+          </p:cNvPr>
+          <p:cNvSpPr txBox="1"/>
+          <p:nvPr/>
+        </p:nvSpPr>
+        <p:spPr>
+          <a:xfrm>
+            <a:off x="8068069" y="4113599"/>
+            <a:ext cx="778034" cy="307777"/>
+          </a:xfrm>
+          <a:prstGeom prst="rect">
+            <a:avLst/>
+          </a:prstGeom>
+          <a:noFill/>
+        </p:spPr>
+        <p:txBody>
+          <a:bodyPr wrap="none" lIns="0" tIns="0" rIns="0" bIns="0" rtlCol="0">
+            <a:spAutoFit/>
+          </a:bodyPr>
+          <a:lstStyle/>
+          <a:p>
+            <a:pPr algn="l"/>
+            <a:r>
+              <a:rPr lang="en-FR" sz="2000" dirty="0"/>
+              <a:t>Tokens</a:t>
+            </a:r>
+          </a:p>
+        </p:txBody>
+      </p:sp>
+      <p:sp>
+        <p:nvSpPr>
+          <p:cNvPr id="23" name="TextBox 22">
+            <a:extLst>
+              <a:ext uri="{FF2B5EF4-FFF2-40B4-BE49-F238E27FC236}">
+                <a16:creationId xmlns:a16="http://schemas.microsoft.com/office/drawing/2014/main" id="{8F829A05-669E-F745-E6F2-EE8AB328A35E}"/>
+              </a:ext>
+            </a:extLst>
+          </p:cNvPr>
+          <p:cNvSpPr txBox="1"/>
+          <p:nvPr/>
+        </p:nvSpPr>
+        <p:spPr>
+          <a:xfrm>
+            <a:off x="3188444" y="2701891"/>
+            <a:ext cx="899413" cy="307777"/>
+          </a:xfrm>
+          <a:prstGeom prst="rect">
+            <a:avLst/>
+          </a:prstGeom>
+          <a:noFill/>
+        </p:spPr>
+        <p:txBody>
+          <a:bodyPr wrap="none" lIns="0" tIns="0" rIns="0" bIns="0" rtlCol="0">
+            <a:spAutoFit/>
+          </a:bodyPr>
+          <a:lstStyle/>
+          <a:p>
+            <a:pPr algn="l"/>
+            <a:r>
+              <a:rPr lang="en-FR" sz="2000" dirty="0"/>
+              <a:t>Training</a:t>
+            </a:r>
+          </a:p>
+        </p:txBody>
+      </p:sp>
+      <p:sp>
+        <p:nvSpPr>
+          <p:cNvPr id="24" name="TextBox 23">
+            <a:extLst>
+              <a:ext uri="{FF2B5EF4-FFF2-40B4-BE49-F238E27FC236}">
+                <a16:creationId xmlns:a16="http://schemas.microsoft.com/office/drawing/2014/main" id="{80E08BAE-3908-F793-8618-95DB61EA89C4}"/>
+              </a:ext>
+            </a:extLst>
+          </p:cNvPr>
+          <p:cNvSpPr txBox="1"/>
+          <p:nvPr/>
+        </p:nvSpPr>
+        <p:spPr>
+          <a:xfrm>
+            <a:off x="5396746" y="4113600"/>
+            <a:ext cx="1644681" cy="307777"/>
+          </a:xfrm>
+          <a:prstGeom prst="rect">
+            <a:avLst/>
+          </a:prstGeom>
+          <a:noFill/>
+        </p:spPr>
+        <p:txBody>
+          <a:bodyPr wrap="none" lIns="0" tIns="0" rIns="0" bIns="0" rtlCol="0">
+            <a:spAutoFit/>
+          </a:bodyPr>
+          <a:lstStyle/>
+          <a:p>
+            <a:pPr algn="l"/>
+            <a:r>
+              <a:rPr lang="en-FR" sz="2000" dirty="0"/>
+              <a:t>Data ingestion</a:t>
+            </a:r>
+          </a:p>
+        </p:txBody>
+      </p:sp>
+      <p:sp>
+        <p:nvSpPr>
+          <p:cNvPr id="25" name="TextBox 24">
+            <a:extLst>
+              <a:ext uri="{FF2B5EF4-FFF2-40B4-BE49-F238E27FC236}">
+                <a16:creationId xmlns:a16="http://schemas.microsoft.com/office/drawing/2014/main" id="{97DAC614-7A30-A4A5-B415-B642D90A58F9}"/>
+              </a:ext>
+            </a:extLst>
+          </p:cNvPr>
+          <p:cNvSpPr txBox="1"/>
+          <p:nvPr/>
+        </p:nvSpPr>
+        <p:spPr>
+          <a:xfrm>
+            <a:off x="5280529" y="2489756"/>
+            <a:ext cx="1110882" cy="492443"/>
+          </a:xfrm>
+          <a:prstGeom prst="rect">
+            <a:avLst/>
+          </a:prstGeom>
+          <a:noFill/>
+        </p:spPr>
+        <p:txBody>
+          <a:bodyPr wrap="none" lIns="0" tIns="0" rIns="0" bIns="0" rtlCol="0">
+            <a:spAutoFit/>
+          </a:bodyPr>
+          <a:lstStyle/>
+          <a:p>
+            <a:pPr algn="l"/>
+            <a:r>
+              <a:rPr lang="en-FR" sz="3200" dirty="0">
+                <a:solidFill>
+                  <a:schemeClr val="tx2">
+                    <a:lumMod val="50000"/>
+                  </a:schemeClr>
+                </a:solidFill>
+              </a:rPr>
+              <a:t>GPT-4</a:t>
+            </a:r>
+          </a:p>
+        </p:txBody>
+      </p:sp>
+      <p:sp>
+        <p:nvSpPr>
+          <p:cNvPr id="26" name="TextBox 25">
+            <a:extLst>
+              <a:ext uri="{FF2B5EF4-FFF2-40B4-BE49-F238E27FC236}">
+                <a16:creationId xmlns:a16="http://schemas.microsoft.com/office/drawing/2014/main" id="{4B2CD09D-A958-9181-586B-77F1693102AF}"/>
+              </a:ext>
+            </a:extLst>
+          </p:cNvPr>
+          <p:cNvSpPr txBox="1"/>
+          <p:nvPr/>
+        </p:nvSpPr>
+        <p:spPr>
+          <a:xfrm>
+            <a:off x="1095152" y="3033418"/>
+            <a:ext cx="1245534" cy="307777"/>
+          </a:xfrm>
+          <a:prstGeom prst="rect">
+            <a:avLst/>
+          </a:prstGeom>
+          <a:noFill/>
+        </p:spPr>
+        <p:txBody>
+          <a:bodyPr wrap="none" lIns="0" tIns="0" rIns="0" bIns="0" rtlCol="0">
+            <a:spAutoFit/>
+          </a:bodyPr>
+          <a:lstStyle/>
+          <a:p>
+            <a:pPr algn="l"/>
+            <a:r>
+              <a:rPr lang="en-FR" sz="2000" dirty="0">
+                <a:solidFill>
+                  <a:schemeClr val="tx2">
+                    <a:lumMod val="75000"/>
+                  </a:schemeClr>
+                </a:solidFill>
+              </a:rPr>
+              <a:t>Production</a:t>
+            </a:r>
+          </a:p>
+        </p:txBody>
+      </p:sp>
+      <p:sp>
+        <p:nvSpPr>
+          <p:cNvPr id="27" name="TextBox 26">
+            <a:extLst>
+              <a:ext uri="{FF2B5EF4-FFF2-40B4-BE49-F238E27FC236}">
+                <a16:creationId xmlns:a16="http://schemas.microsoft.com/office/drawing/2014/main" id="{C9BCB08F-0A96-1804-1E4B-B359D2F1F422}"/>
+              </a:ext>
+            </a:extLst>
+          </p:cNvPr>
+          <p:cNvSpPr txBox="1"/>
+          <p:nvPr/>
+        </p:nvSpPr>
+        <p:spPr>
+          <a:xfrm>
+            <a:off x="8304501" y="1168683"/>
+            <a:ext cx="1524456" cy="307777"/>
+          </a:xfrm>
+          <a:prstGeom prst="rect">
+            <a:avLst/>
+          </a:prstGeom>
+          <a:noFill/>
+        </p:spPr>
+        <p:txBody>
+          <a:bodyPr wrap="none" lIns="0" tIns="0" rIns="0" bIns="0" rtlCol="0">
+            <a:spAutoFit/>
+          </a:bodyPr>
+          <a:lstStyle/>
+          <a:p>
+            <a:pPr algn="l"/>
+            <a:r>
+              <a:rPr lang="en-FR" sz="2000" dirty="0"/>
+              <a:t>Development</a:t>
+            </a:r>
+          </a:p>
+        </p:txBody>
+      </p:sp>
+      <p:sp>
+        <p:nvSpPr>
+          <p:cNvPr id="30" name="TextBox 29">
+            <a:extLst>
+              <a:ext uri="{FF2B5EF4-FFF2-40B4-BE49-F238E27FC236}">
+                <a16:creationId xmlns:a16="http://schemas.microsoft.com/office/drawing/2014/main" id="{F01C27CD-12BD-3156-EFC8-F2456423B88A}"/>
+              </a:ext>
+            </a:extLst>
+          </p:cNvPr>
+          <p:cNvSpPr txBox="1"/>
+          <p:nvPr/>
+        </p:nvSpPr>
+        <p:spPr>
+          <a:xfrm>
+            <a:off x="9650565" y="5500806"/>
+            <a:ext cx="880049" cy="307777"/>
+          </a:xfrm>
+          <a:prstGeom prst="rect">
+            <a:avLst/>
+          </a:prstGeom>
+          <a:noFill/>
+        </p:spPr>
+        <p:txBody>
+          <a:bodyPr wrap="none" lIns="0" tIns="0" rIns="0" bIns="0" rtlCol="0">
+            <a:spAutoFit/>
+          </a:bodyPr>
+          <a:lstStyle/>
+          <a:p>
+            <a:pPr algn="l"/>
+            <a:r>
+              <a:rPr lang="en-FR" sz="2000" dirty="0"/>
+              <a:t>Context</a:t>
+            </a:r>
+          </a:p>
+        </p:txBody>
+      </p:sp>
+      <p:sp>
+        <p:nvSpPr>
+          <p:cNvPr id="31" name="TextBox 30">
+            <a:extLst>
+              <a:ext uri="{FF2B5EF4-FFF2-40B4-BE49-F238E27FC236}">
+                <a16:creationId xmlns:a16="http://schemas.microsoft.com/office/drawing/2014/main" id="{594D5695-DE44-CA07-F380-66E7D400B127}"/>
+              </a:ext>
+            </a:extLst>
+          </p:cNvPr>
+          <p:cNvSpPr txBox="1"/>
+          <p:nvPr/>
+        </p:nvSpPr>
+        <p:spPr>
+          <a:xfrm>
+            <a:off x="1420521" y="1423919"/>
+            <a:ext cx="798873" cy="307777"/>
+          </a:xfrm>
+          <a:prstGeom prst="rect">
+            <a:avLst/>
+          </a:prstGeom>
+          <a:noFill/>
+        </p:spPr>
+        <p:txBody>
+          <a:bodyPr wrap="none" lIns="0" tIns="0" rIns="0" bIns="0" rtlCol="0">
+            <a:spAutoFit/>
+          </a:bodyPr>
+          <a:lstStyle/>
+          <a:p>
+            <a:pPr algn="l"/>
+            <a:r>
+              <a:rPr lang="en-FR" sz="2000" dirty="0"/>
+              <a:t>Testing</a:t>
+            </a:r>
+          </a:p>
+        </p:txBody>
+      </p:sp>
+      <p:sp>
+        <p:nvSpPr>
+          <p:cNvPr id="6" name="Title 5">
+            <a:extLst>
+              <a:ext uri="{FF2B5EF4-FFF2-40B4-BE49-F238E27FC236}">
+                <a16:creationId xmlns:a16="http://schemas.microsoft.com/office/drawing/2014/main" id="{5947DA54-8206-2679-D85B-D3BB9A38C7BA}"/>
+              </a:ext>
+            </a:extLst>
+          </p:cNvPr>
+          <p:cNvSpPr txBox="1">
+            <a:spLocks noGrp="1"/>
+          </p:cNvSpPr>
+          <p:nvPr>
+            <p:ph type="title" idx="4294967295"/>
+          </p:nvPr>
+        </p:nvSpPr>
+        <p:spPr>
+          <a:xfrm>
+            <a:off x="2843507" y="3161291"/>
+            <a:ext cx="6504986" cy="738664"/>
+          </a:xfrm>
+          <a:prstGeom prst="rect">
+            <a:avLst/>
+          </a:prstGeom>
+          <a:noFill/>
+          <a:ln>
+            <a:noFill/>
+            <a:prstDash/>
+          </a:ln>
+          <a:effectLst/>
+        </p:spPr>
+        <p:txBody>
+          <a:bodyPr rot="0" spcFirstLastPara="0" vertOverflow="overflow" horzOverflow="overflow" vert="horz" wrap="none" lIns="0" tIns="0" rIns="0" bIns="0" numCol="1" spcCol="0" rtlCol="0" fromWordArt="0" anchor="t" anchorCtr="0" forceAA="0" compatLnSpc="1">
+            <a:prstTxWarp prst="textNoShape">
+              <a:avLst/>
+            </a:prstTxWarp>
+            <a:spAutoFit/>
+          </a:bodyPr>
+          <a:lstStyle/>
+          <a:p>
+            <a:pPr marL="0" marR="0" lvl="0" indent="0" algn="l" defTabSz="914400" rtl="0" eaLnBrk="1" fontAlgn="auto" latinLnBrk="0" hangingPunct="1">
+              <a:lnSpc>
+                <a:spcPct val="100000"/>
+              </a:lnSpc>
+              <a:spcBef>
+                <a:spcPts val="0"/>
+              </a:spcBef>
+              <a:spcAft>
+                <a:spcPts val="0"/>
+              </a:spcAft>
+              <a:buClrTx/>
+              <a:buSzTx/>
+              <a:buFontTx/>
+              <a:buNone/>
+              <a:tabLst/>
+              <a:defRPr/>
+            </a:pPr>
+            <a:r>
+              <a:rPr kumimoji="0" lang="en-FR" sz="4800" b="0" i="0" u="none" strike="noStrike" kern="1200" cap="none" spc="0" normalizeH="0" baseline="0" noProof="0" dirty="0">
+                <a:ln>
+                  <a:noFill/>
+                </a:ln>
+                <a:solidFill>
+                  <a:schemeClr val="tx2"/>
+                </a:solidFill>
+                <a:effectLst/>
+                <a:uLnTx/>
+                <a:uFillTx/>
+                <a:latin typeface="+mn-lt"/>
+                <a:ea typeface="+mn-ea"/>
+                <a:cs typeface="+mn-cs"/>
+              </a:rPr>
+              <a:t>Large Language Models</a:t>
+            </a:r>
+          </a:p>
+        </p:txBody>
+      </p:sp>
     </p:spTree>
     <p:extLst>
       <p:ext uri="{BB962C8B-B14F-4D97-AF65-F5344CB8AC3E}">
@@ -23999,7 +24036,6 @@
       </p:par>
     </p:tnLst>
     <p:bldLst>
-      <p:bldP spid="6" grpId="0"/>
       <p:bldP spid="7" grpId="0"/>
       <p:bldP spid="8" grpId="0"/>
       <p:bldP spid="9" grpId="0"/>
@@ -24023,6 +24059,7 @@
       <p:bldP spid="27" grpId="0"/>
       <p:bldP spid="30" grpId="0"/>
       <p:bldP spid="31" grpId="0"/>
+      <p:bldP spid="6" grpId="0"/>
     </p:bldLst>
   </p:timing>
 </p:sld>
@@ -24104,6 +24141,41 @@
           </a:extLst>
         </p:spPr>
       </p:pic>
+      <p:sp>
+        <p:nvSpPr>
+          <p:cNvPr id="2" name="Title 1">
+            <a:extLst>
+              <a:ext uri="{FF2B5EF4-FFF2-40B4-BE49-F238E27FC236}">
+                <a16:creationId xmlns:a16="http://schemas.microsoft.com/office/drawing/2014/main" id="{45C5A61B-EF50-B7F7-E420-73B2D8417B71}"/>
+              </a:ext>
+            </a:extLst>
+          </p:cNvPr>
+          <p:cNvSpPr>
+            <a:spLocks noGrp="1"/>
+          </p:cNvSpPr>
+          <p:nvPr>
+            <p:ph type="title"/>
+          </p:nvPr>
+        </p:nvSpPr>
+        <p:spPr>
+          <a:xfrm>
+            <a:off x="588263" y="6858000"/>
+            <a:ext cx="9337402" cy="553998"/>
+          </a:xfrm>
+        </p:spPr>
+        <p:txBody>
+          <a:bodyPr vert="horz" wrap="square" lIns="0" tIns="0" rIns="0" bIns="0" rtlCol="0" anchor="t">
+            <a:spAutoFit/>
+          </a:bodyPr>
+          <a:lstStyle/>
+          <a:p>
+            <a:r>
+              <a:rPr lang="en-FR" dirty="0"/>
+              <a:t>AI Chat with Enterprise Data demo</a:t>
+            </a:r>
+          </a:p>
+        </p:txBody>
+      </p:sp>
     </p:spTree>
     <p:extLst>
       <p:ext uri="{BB962C8B-B14F-4D97-AF65-F5344CB8AC3E}">

--- a/slides/00-intro.pptx
+++ b/slides/00-intro.pptx
@@ -1160,7 +1160,7 @@
           <a:p>
             <a:fld id="{855B53BB-9CA8-4E36-AA7C-C10D869BF69A}" type="datetimeFigureOut">
               <a:rPr lang="en-US" smtClean="0"/>
-              <a:t>9/27/24</a:t>
+              <a:t>9/30/24</a:t>
             </a:fld>
             <a:endParaRPr lang="en-US"/>
           </a:p>
@@ -1788,7 +1788,7 @@
                 <a:tabLst/>
                 <a:defRPr/>
               </a:pPr>
-              <a:t>9/27/24 3:03 PM</a:t>
+              <a:t>9/30/24 2:16 PM</a:t>
             </a:fld>
             <a:endParaRPr kumimoji="0" lang="en-US" sz="1200" b="0" i="0" u="none" strike="noStrike" kern="1200" cap="none" spc="0" normalizeH="0" baseline="0" noProof="0" dirty="0">
               <a:ln>
@@ -2178,7 +2178,7 @@
                 <a:tabLst/>
                 <a:defRPr/>
               </a:pPr>
-              <a:t>9/27/24 3:03 PM</a:t>
+              <a:t>9/30/24 2:16 PM</a:t>
             </a:fld>
             <a:endParaRPr kumimoji="0" lang="en-US" sz="1200" b="0" i="0" u="none" strike="noStrike" kern="1200" cap="none" spc="0" normalizeH="0" baseline="0" noProof="0" dirty="0">
               <a:ln>
@@ -2674,8 +2674,12 @@
           </a:p>
           <a:p>
             <a:r>
+              <a:rPr lang="en-GB" i="1"/>
+              <a:t>Next session, </a:t>
+            </a:r>
+            <a:r>
               <a:rPr lang="en-GB" i="1" dirty="0"/>
-              <a:t>Next video, we’ll start with </a:t>
+              <a:t>we’ll start with </a:t>
             </a:r>
             <a:r>
               <a:rPr lang="en-FR" i="1" dirty="0"/>
